--- a/MoSCoW_Prioritisation.pptx
+++ b/MoSCoW_Prioritisation.pptx
@@ -104,6 +104,11 @@
       </a:defRPr>
     </a:lvl9pPr>
   </p:defaultTextStyle>
+  <p:extLst>
+    <p:ext uri="{EFAFB233-063F-42B5-8137-9DF3F51BA10A}">
+      <p15:sldGuideLst xmlns:p15="http://schemas.microsoft.com/office/powerpoint/2012/main"/>
+    </p:ext>
+  </p:extLst>
 </p:presentation>
 </file>
 
@@ -112,12 +117,12 @@
   <pc:docChgLst>
     <pc:chgData name="Ira Hermosa" userId="3b5676ff7be525cd" providerId="LiveId" clId="{AF36B54E-9051-461E-A8BD-A0327BCD901B}"/>
     <pc:docChg chg="modSld">
-      <pc:chgData name="Ira Hermosa" userId="3b5676ff7be525cd" providerId="LiveId" clId="{AF36B54E-9051-461E-A8BD-A0327BCD901B}" dt="2022-03-24T21:30:59.101" v="20" actId="1076"/>
+      <pc:chgData name="Ira Hermosa" userId="3b5676ff7be525cd" providerId="LiveId" clId="{AF36B54E-9051-461E-A8BD-A0327BCD901B}" dt="2022-03-25T08:51:03.136" v="114" actId="20577"/>
       <pc:docMkLst>
         <pc:docMk/>
       </pc:docMkLst>
       <pc:sldChg chg="modSp mod">
-        <pc:chgData name="Ira Hermosa" userId="3b5676ff7be525cd" providerId="LiveId" clId="{AF36B54E-9051-461E-A8BD-A0327BCD901B}" dt="2022-03-24T21:30:59.101" v="20" actId="1076"/>
+        <pc:chgData name="Ira Hermosa" userId="3b5676ff7be525cd" providerId="LiveId" clId="{AF36B54E-9051-461E-A8BD-A0327BCD901B}" dt="2022-03-25T08:51:03.136" v="114" actId="20577"/>
         <pc:sldMkLst>
           <pc:docMk/>
           <pc:sldMk cId="1958726831" sldId="256"/>
@@ -154,8 +159,8 @@
             <ac:graphicFrameMk id="8" creationId="{EB90555A-9436-4824-88B1-692D905218F1}"/>
           </ac:graphicFrameMkLst>
         </pc:graphicFrameChg>
-        <pc:graphicFrameChg chg="mod">
-          <ac:chgData name="Ira Hermosa" userId="3b5676ff7be525cd" providerId="LiveId" clId="{AF36B54E-9051-461E-A8BD-A0327BCD901B}" dt="2022-03-24T21:30:54.836" v="19" actId="1036"/>
+        <pc:graphicFrameChg chg="mod modGraphic">
+          <ac:chgData name="Ira Hermosa" userId="3b5676ff7be525cd" providerId="LiveId" clId="{AF36B54E-9051-461E-A8BD-A0327BCD901B}" dt="2022-03-25T08:51:03.136" v="114" actId="20577"/>
           <ac:graphicFrameMkLst>
             <pc:docMk/>
             <pc:sldMk cId="1958726831" sldId="256"/>
@@ -317,7 +322,7 @@
           <a:p>
             <a:fld id="{9B2F9D99-E605-4F0F-BDD9-26C8E30A147B}" type="datetimeFigureOut">
               <a:rPr lang="en-GB" smtClean="0"/>
-              <a:t>24/03/2022</a:t>
+              <a:t>25/03/2022</a:t>
             </a:fld>
             <a:endParaRPr lang="en-GB"/>
           </a:p>
@@ -517,7 +522,7 @@
           <a:p>
             <a:fld id="{9B2F9D99-E605-4F0F-BDD9-26C8E30A147B}" type="datetimeFigureOut">
               <a:rPr lang="en-GB" smtClean="0"/>
-              <a:t>24/03/2022</a:t>
+              <a:t>25/03/2022</a:t>
             </a:fld>
             <a:endParaRPr lang="en-GB"/>
           </a:p>
@@ -727,7 +732,7 @@
           <a:p>
             <a:fld id="{9B2F9D99-E605-4F0F-BDD9-26C8E30A147B}" type="datetimeFigureOut">
               <a:rPr lang="en-GB" smtClean="0"/>
-              <a:t>24/03/2022</a:t>
+              <a:t>25/03/2022</a:t>
             </a:fld>
             <a:endParaRPr lang="en-GB"/>
           </a:p>
@@ -927,7 +932,7 @@
           <a:p>
             <a:fld id="{9B2F9D99-E605-4F0F-BDD9-26C8E30A147B}" type="datetimeFigureOut">
               <a:rPr lang="en-GB" smtClean="0"/>
-              <a:t>24/03/2022</a:t>
+              <a:t>25/03/2022</a:t>
             </a:fld>
             <a:endParaRPr lang="en-GB"/>
           </a:p>
@@ -1203,7 +1208,7 @@
           <a:p>
             <a:fld id="{9B2F9D99-E605-4F0F-BDD9-26C8E30A147B}" type="datetimeFigureOut">
               <a:rPr lang="en-GB" smtClean="0"/>
-              <a:t>24/03/2022</a:t>
+              <a:t>25/03/2022</a:t>
             </a:fld>
             <a:endParaRPr lang="en-GB"/>
           </a:p>
@@ -1471,7 +1476,7 @@
           <a:p>
             <a:fld id="{9B2F9D99-E605-4F0F-BDD9-26C8E30A147B}" type="datetimeFigureOut">
               <a:rPr lang="en-GB" smtClean="0"/>
-              <a:t>24/03/2022</a:t>
+              <a:t>25/03/2022</a:t>
             </a:fld>
             <a:endParaRPr lang="en-GB"/>
           </a:p>
@@ -1886,7 +1891,7 @@
           <a:p>
             <a:fld id="{9B2F9D99-E605-4F0F-BDD9-26C8E30A147B}" type="datetimeFigureOut">
               <a:rPr lang="en-GB" smtClean="0"/>
-              <a:t>24/03/2022</a:t>
+              <a:t>25/03/2022</a:t>
             </a:fld>
             <a:endParaRPr lang="en-GB"/>
           </a:p>
@@ -2028,7 +2033,7 @@
           <a:p>
             <a:fld id="{9B2F9D99-E605-4F0F-BDD9-26C8E30A147B}" type="datetimeFigureOut">
               <a:rPr lang="en-GB" smtClean="0"/>
-              <a:t>24/03/2022</a:t>
+              <a:t>25/03/2022</a:t>
             </a:fld>
             <a:endParaRPr lang="en-GB"/>
           </a:p>
@@ -2141,7 +2146,7 @@
           <a:p>
             <a:fld id="{9B2F9D99-E605-4F0F-BDD9-26C8E30A147B}" type="datetimeFigureOut">
               <a:rPr lang="en-GB" smtClean="0"/>
-              <a:t>24/03/2022</a:t>
+              <a:t>25/03/2022</a:t>
             </a:fld>
             <a:endParaRPr lang="en-GB"/>
           </a:p>
@@ -2454,7 +2459,7 @@
           <a:p>
             <a:fld id="{9B2F9D99-E605-4F0F-BDD9-26C8E30A147B}" type="datetimeFigureOut">
               <a:rPr lang="en-GB" smtClean="0"/>
-              <a:t>24/03/2022</a:t>
+              <a:t>25/03/2022</a:t>
             </a:fld>
             <a:endParaRPr lang="en-GB"/>
           </a:p>
@@ -2743,7 +2748,7 @@
           <a:p>
             <a:fld id="{9B2F9D99-E605-4F0F-BDD9-26C8E30A147B}" type="datetimeFigureOut">
               <a:rPr lang="en-GB" smtClean="0"/>
-              <a:t>24/03/2022</a:t>
+              <a:t>25/03/2022</a:t>
             </a:fld>
             <a:endParaRPr lang="en-GB"/>
           </a:p>
@@ -2986,7 +2991,7 @@
           <a:p>
             <a:fld id="{9B2F9D99-E605-4F0F-BDD9-26C8E30A147B}" type="datetimeFigureOut">
               <a:rPr lang="en-GB" smtClean="0"/>
-              <a:t>24/03/2022</a:t>
+              <a:t>25/03/2022</a:t>
             </a:fld>
             <a:endParaRPr lang="en-GB"/>
           </a:p>
@@ -3836,7 +3841,7 @@
           <p:nvPr>
             <p:extLst>
               <p:ext uri="{D42A27DB-BD31-4B8C-83A1-F6EECF244321}">
-                <p14:modId xmlns:p14="http://schemas.microsoft.com/office/powerpoint/2010/main" val="257615769"/>
+                <p14:modId xmlns:p14="http://schemas.microsoft.com/office/powerpoint/2010/main" val="2228530993"/>
               </p:ext>
             </p:extLst>
           </p:nvPr>
@@ -3893,18 +3898,46 @@
                       </a:pPr>
                       <a:r>
                         <a:rPr lang="en-GB" dirty="0"/>
-                        <a:t>Lock down user’s browser to stop cheating</a:t>
+                        <a:t>User interface through front end development</a:t>
                       </a:r>
                     </a:p>
                     <a:p>
-                      <a:pPr marL="285750" indent="-285750">
+                      <a:pPr marL="285750" marR="0" lvl="0" indent="-285750" algn="l" defTabSz="914400" rtl="0" eaLnBrk="1" fontAlgn="auto" latinLnBrk="0" hangingPunct="1">
+                        <a:lnSpc>
+                          <a:spcPct val="100000"/>
+                        </a:lnSpc>
+                        <a:spcBef>
+                          <a:spcPts val="0"/>
+                        </a:spcBef>
+                        <a:spcAft>
+                          <a:spcPts val="0"/>
+                        </a:spcAft>
+                        <a:buClrTx/>
+                        <a:buSzTx/>
                         <a:buFontTx/>
                         <a:buChar char="-"/>
+                        <a:tabLst/>
+                        <a:defRPr/>
                       </a:pPr>
                       <a:r>
                         <a:rPr lang="en-GB" dirty="0"/>
-                        <a:t>Pull random questions from different categories and allow user to attempt them and get a score</a:t>
+                        <a:t>Browser lock </a:t>
                       </a:r>
+                      <a:r>
+                        <a:rPr lang="en-GB"/>
+                        <a:t>down functionality to </a:t>
+                      </a:r>
+                      <a:r>
+                        <a:rPr lang="en-GB" dirty="0"/>
+                        <a:t>stop cheating</a:t>
+                      </a:r>
+                    </a:p>
+                    <a:p>
+                      <a:pPr marL="0" indent="0">
+                        <a:buFontTx/>
+                        <a:buNone/>
+                      </a:pPr>
+                      <a:endParaRPr lang="en-GB" dirty="0"/>
                     </a:p>
                     <a:p>
                       <a:pPr marL="285750" indent="-285750">
